--- a/보고서용 캡처 모음/기타 자료이미지 원본.pptx
+++ b/보고서용 캡처 모음/기타 자료이미지 원본.pptx
@@ -252,7 +252,7 @@
           <a:p>
             <a:fld id="{36091A7B-A32D-4DC9-A425-F7C17257C8DE}" type="datetimeFigureOut">
               <a:rPr lang="ko-KR" altLang="en-US" smtClean="0"/>
-              <a:t>2021-07-28</a:t>
+              <a:t>2021-09-29</a:t>
             </a:fld>
             <a:endParaRPr lang="ko-KR" altLang="en-US"/>
           </a:p>
@@ -422,7 +422,7 @@
           <a:p>
             <a:fld id="{36091A7B-A32D-4DC9-A425-F7C17257C8DE}" type="datetimeFigureOut">
               <a:rPr lang="ko-KR" altLang="en-US" smtClean="0"/>
-              <a:t>2021-07-28</a:t>
+              <a:t>2021-09-29</a:t>
             </a:fld>
             <a:endParaRPr lang="ko-KR" altLang="en-US"/>
           </a:p>
@@ -602,7 +602,7 @@
           <a:p>
             <a:fld id="{36091A7B-A32D-4DC9-A425-F7C17257C8DE}" type="datetimeFigureOut">
               <a:rPr lang="ko-KR" altLang="en-US" smtClean="0"/>
-              <a:t>2021-07-28</a:t>
+              <a:t>2021-09-29</a:t>
             </a:fld>
             <a:endParaRPr lang="ko-KR" altLang="en-US"/>
           </a:p>
@@ -772,7 +772,7 @@
           <a:p>
             <a:fld id="{36091A7B-A32D-4DC9-A425-F7C17257C8DE}" type="datetimeFigureOut">
               <a:rPr lang="ko-KR" altLang="en-US" smtClean="0"/>
-              <a:t>2021-07-28</a:t>
+              <a:t>2021-09-29</a:t>
             </a:fld>
             <a:endParaRPr lang="ko-KR" altLang="en-US"/>
           </a:p>
@@ -1018,7 +1018,7 @@
           <a:p>
             <a:fld id="{36091A7B-A32D-4DC9-A425-F7C17257C8DE}" type="datetimeFigureOut">
               <a:rPr lang="ko-KR" altLang="en-US" smtClean="0"/>
-              <a:t>2021-07-28</a:t>
+              <a:t>2021-09-29</a:t>
             </a:fld>
             <a:endParaRPr lang="ko-KR" altLang="en-US"/>
           </a:p>
@@ -1250,7 +1250,7 @@
           <a:p>
             <a:fld id="{36091A7B-A32D-4DC9-A425-F7C17257C8DE}" type="datetimeFigureOut">
               <a:rPr lang="ko-KR" altLang="en-US" smtClean="0"/>
-              <a:t>2021-07-28</a:t>
+              <a:t>2021-09-29</a:t>
             </a:fld>
             <a:endParaRPr lang="ko-KR" altLang="en-US"/>
           </a:p>
@@ -1617,7 +1617,7 @@
           <a:p>
             <a:fld id="{36091A7B-A32D-4DC9-A425-F7C17257C8DE}" type="datetimeFigureOut">
               <a:rPr lang="ko-KR" altLang="en-US" smtClean="0"/>
-              <a:t>2021-07-28</a:t>
+              <a:t>2021-09-29</a:t>
             </a:fld>
             <a:endParaRPr lang="ko-KR" altLang="en-US"/>
           </a:p>
@@ -1735,7 +1735,7 @@
           <a:p>
             <a:fld id="{36091A7B-A32D-4DC9-A425-F7C17257C8DE}" type="datetimeFigureOut">
               <a:rPr lang="ko-KR" altLang="en-US" smtClean="0"/>
-              <a:t>2021-07-28</a:t>
+              <a:t>2021-09-29</a:t>
             </a:fld>
             <a:endParaRPr lang="ko-KR" altLang="en-US"/>
           </a:p>
@@ -1830,7 +1830,7 @@
           <a:p>
             <a:fld id="{36091A7B-A32D-4DC9-A425-F7C17257C8DE}" type="datetimeFigureOut">
               <a:rPr lang="ko-KR" altLang="en-US" smtClean="0"/>
-              <a:t>2021-07-28</a:t>
+              <a:t>2021-09-29</a:t>
             </a:fld>
             <a:endParaRPr lang="ko-KR" altLang="en-US"/>
           </a:p>
@@ -2107,7 +2107,7 @@
           <a:p>
             <a:fld id="{36091A7B-A32D-4DC9-A425-F7C17257C8DE}" type="datetimeFigureOut">
               <a:rPr lang="ko-KR" altLang="en-US" smtClean="0"/>
-              <a:t>2021-07-28</a:t>
+              <a:t>2021-09-29</a:t>
             </a:fld>
             <a:endParaRPr lang="ko-KR" altLang="en-US"/>
           </a:p>
@@ -2364,7 +2364,7 @@
           <a:p>
             <a:fld id="{36091A7B-A32D-4DC9-A425-F7C17257C8DE}" type="datetimeFigureOut">
               <a:rPr lang="ko-KR" altLang="en-US" smtClean="0"/>
-              <a:t>2021-07-28</a:t>
+              <a:t>2021-09-29</a:t>
             </a:fld>
             <a:endParaRPr lang="ko-KR" altLang="en-US"/>
           </a:p>
@@ -2577,7 +2577,7 @@
           <a:p>
             <a:fld id="{36091A7B-A32D-4DC9-A425-F7C17257C8DE}" type="datetimeFigureOut">
               <a:rPr lang="ko-KR" altLang="en-US" smtClean="0"/>
-              <a:t>2021-07-28</a:t>
+              <a:t>2021-09-29</a:t>
             </a:fld>
             <a:endParaRPr lang="ko-KR" altLang="en-US"/>
           </a:p>
@@ -3476,10 +3476,10 @@
       </p:sp>
       <p:sp>
         <p:nvSpPr>
-          <p:cNvPr id="9" name="타원 8">
-            <a:extLst>
-              <a:ext uri="{FF2B5EF4-FFF2-40B4-BE49-F238E27FC236}">
-                <a16:creationId xmlns:a16="http://schemas.microsoft.com/office/drawing/2014/main" id="{A5A71801-4728-4EB0-8232-BADEEBA26381}"/>
+          <p:cNvPr id="11" name="타원 10">
+            <a:extLst>
+              <a:ext uri="{FF2B5EF4-FFF2-40B4-BE49-F238E27FC236}">
+                <a16:creationId xmlns:a16="http://schemas.microsoft.com/office/drawing/2014/main" id="{1519E034-0B73-4939-9C7E-6D1ABCECD1FE}"/>
               </a:ext>
             </a:extLst>
           </p:cNvPr>
@@ -3488,7 +3488,7 @@
         </p:nvSpPr>
         <p:spPr>
           <a:xfrm>
-            <a:off x="3355070" y="3591560"/>
+            <a:off x="5198114" y="3591560"/>
             <a:ext cx="243840" cy="243840"/>
           </a:xfrm>
           <a:prstGeom prst="ellipse">
@@ -3533,10 +3533,10 @@
       </p:sp>
       <p:sp>
         <p:nvSpPr>
-          <p:cNvPr id="10" name="타원 9">
-            <a:extLst>
-              <a:ext uri="{FF2B5EF4-FFF2-40B4-BE49-F238E27FC236}">
-                <a16:creationId xmlns:a16="http://schemas.microsoft.com/office/drawing/2014/main" id="{2725AE21-32A9-4621-91FF-C99D11A09E44}"/>
+          <p:cNvPr id="12" name="타원 11">
+            <a:extLst>
+              <a:ext uri="{FF2B5EF4-FFF2-40B4-BE49-F238E27FC236}">
+                <a16:creationId xmlns:a16="http://schemas.microsoft.com/office/drawing/2014/main" id="{8F79D0D7-1266-40F2-A4BD-5E5AD4732D0E}"/>
               </a:ext>
             </a:extLst>
           </p:cNvPr>
@@ -3545,121 +3545,7 @@
         </p:nvSpPr>
         <p:spPr>
           <a:xfrm>
-            <a:off x="5752942" y="3591560"/>
-            <a:ext cx="243840" cy="243840"/>
-          </a:xfrm>
-          <a:prstGeom prst="ellipse">
-            <a:avLst/>
-          </a:prstGeom>
-          <a:solidFill>
-            <a:schemeClr val="bg1"/>
-          </a:solidFill>
-          <a:ln w="76200">
-            <a:solidFill>
-              <a:schemeClr val="accent6"/>
-            </a:solidFill>
-          </a:ln>
-        </p:spPr>
-        <p:style>
-          <a:lnRef idx="2">
-            <a:schemeClr val="accent1">
-              <a:shade val="50000"/>
-            </a:schemeClr>
-          </a:lnRef>
-          <a:fillRef idx="1">
-            <a:schemeClr val="accent1"/>
-          </a:fillRef>
-          <a:effectRef idx="0">
-            <a:schemeClr val="accent1"/>
-          </a:effectRef>
-          <a:fontRef idx="minor">
-            <a:schemeClr val="lt1"/>
-          </a:fontRef>
-        </p:style>
-        <p:txBody>
-          <a:bodyPr rtlCol="0" anchor="ctr"/>
-          <a:lstStyle/>
-          <a:p>
-            <a:pPr algn="ctr"/>
-            <a:endParaRPr lang="ko-KR" altLang="en-US">
-              <a:latin typeface="나눔스퀘어 Bold" panose="020B0600000101010101" pitchFamily="50" charset="-127"/>
-              <a:ea typeface="나눔스퀘어 Bold" panose="020B0600000101010101" pitchFamily="50" charset="-127"/>
-            </a:endParaRPr>
-          </a:p>
-        </p:txBody>
-      </p:sp>
-      <p:sp>
-        <p:nvSpPr>
-          <p:cNvPr id="11" name="타원 10">
-            <a:extLst>
-              <a:ext uri="{FF2B5EF4-FFF2-40B4-BE49-F238E27FC236}">
-                <a16:creationId xmlns:a16="http://schemas.microsoft.com/office/drawing/2014/main" id="{1519E034-0B73-4939-9C7E-6D1ABCECD1FE}"/>
-              </a:ext>
-            </a:extLst>
-          </p:cNvPr>
-          <p:cNvSpPr/>
-          <p:nvPr/>
-        </p:nvSpPr>
-        <p:spPr>
-          <a:xfrm>
-            <a:off x="8416768" y="3591560"/>
-            <a:ext cx="243840" cy="243840"/>
-          </a:xfrm>
-          <a:prstGeom prst="ellipse">
-            <a:avLst/>
-          </a:prstGeom>
-          <a:solidFill>
-            <a:schemeClr val="bg1"/>
-          </a:solidFill>
-          <a:ln w="76200">
-            <a:solidFill>
-              <a:schemeClr val="accent6"/>
-            </a:solidFill>
-          </a:ln>
-        </p:spPr>
-        <p:style>
-          <a:lnRef idx="2">
-            <a:schemeClr val="accent1">
-              <a:shade val="50000"/>
-            </a:schemeClr>
-          </a:lnRef>
-          <a:fillRef idx="1">
-            <a:schemeClr val="accent1"/>
-          </a:fillRef>
-          <a:effectRef idx="0">
-            <a:schemeClr val="accent1"/>
-          </a:effectRef>
-          <a:fontRef idx="minor">
-            <a:schemeClr val="lt1"/>
-          </a:fontRef>
-        </p:style>
-        <p:txBody>
-          <a:bodyPr rtlCol="0" anchor="ctr"/>
-          <a:lstStyle/>
-          <a:p>
-            <a:pPr algn="ctr"/>
-            <a:endParaRPr lang="ko-KR" altLang="en-US">
-              <a:latin typeface="나눔스퀘어 Bold" panose="020B0600000101010101" pitchFamily="50" charset="-127"/>
-              <a:ea typeface="나눔스퀘어 Bold" panose="020B0600000101010101" pitchFamily="50" charset="-127"/>
-            </a:endParaRPr>
-          </a:p>
-        </p:txBody>
-      </p:sp>
-      <p:sp>
-        <p:nvSpPr>
-          <p:cNvPr id="12" name="타원 11">
-            <a:extLst>
-              <a:ext uri="{FF2B5EF4-FFF2-40B4-BE49-F238E27FC236}">
-                <a16:creationId xmlns:a16="http://schemas.microsoft.com/office/drawing/2014/main" id="{8F79D0D7-1266-40F2-A4BD-5E5AD4732D0E}"/>
-              </a:ext>
-            </a:extLst>
-          </p:cNvPr>
-          <p:cNvSpPr/>
-          <p:nvPr/>
-        </p:nvSpPr>
-        <p:spPr>
-          <a:xfrm>
-            <a:off x="10941311" y="3591560"/>
+            <a:off x="8852531" y="3591560"/>
             <a:ext cx="243840" cy="243840"/>
           </a:xfrm>
           <a:prstGeom prst="ellipse">
@@ -4142,7 +4028,7 @@
         <p:spPr>
           <a:xfrm>
             <a:off x="8506892" y="519495"/>
-            <a:ext cx="2362200" cy="307777"/>
+            <a:ext cx="2362200" cy="523220"/>
           </a:xfrm>
           <a:prstGeom prst="rect">
             <a:avLst/>
@@ -4166,7 +4052,7 @@
                 <a:latin typeface="나눔스퀘어 Bold" panose="020B0600000101010101" pitchFamily="50" charset="-127"/>
                 <a:ea typeface="나눔스퀘어 Bold" panose="020B0600000101010101" pitchFamily="50" charset="-127"/>
               </a:rPr>
-              <a:t>채팅 매크로 기능</a:t>
+              <a:t>채팅 저장</a:t>
             </a:r>
             <a:r>
               <a:rPr lang="en-US" altLang="ko-KR" sz="1400" dirty="0">
@@ -4179,7 +4065,7 @@
                 <a:latin typeface="나눔스퀘어 Bold" panose="020B0600000101010101" pitchFamily="50" charset="-127"/>
                 <a:ea typeface="나눔스퀘어 Bold" panose="020B0600000101010101" pitchFamily="50" charset="-127"/>
               </a:rPr>
-              <a:t> </a:t>
+              <a:t> / </a:t>
             </a:r>
             <a:r>
               <a:rPr lang="ko-KR" altLang="en-US" sz="1400" dirty="0">
@@ -4192,7 +4078,7 @@
                 <a:latin typeface="나눔스퀘어 Bold" panose="020B0600000101010101" pitchFamily="50" charset="-127"/>
                 <a:ea typeface="나눔스퀘어 Bold" panose="020B0600000101010101" pitchFamily="50" charset="-127"/>
               </a:rPr>
-              <a:t>추가</a:t>
+              <a:t>불러오기용</a:t>
             </a:r>
             <a:endParaRPr lang="en-US" altLang="ko-KR" sz="1400" dirty="0">
               <a:solidFill>
@@ -4205,49 +4091,7 @@
               <a:ea typeface="나눔스퀘어 Bold" panose="020B0600000101010101" pitchFamily="50" charset="-127"/>
             </a:endParaRPr>
           </a:p>
-        </p:txBody>
-      </p:sp>
-      <p:sp>
-        <p:nvSpPr>
-          <p:cNvPr id="26" name="TextBox 25">
-            <a:extLst>
-              <a:ext uri="{FF2B5EF4-FFF2-40B4-BE49-F238E27FC236}">
-                <a16:creationId xmlns:a16="http://schemas.microsoft.com/office/drawing/2014/main" id="{AD27ED8F-13EB-45E2-B200-9CF43F9FBF08}"/>
-              </a:ext>
-            </a:extLst>
-          </p:cNvPr>
-          <p:cNvSpPr txBox="1"/>
-          <p:nvPr/>
-        </p:nvSpPr>
-        <p:spPr>
-          <a:xfrm>
-            <a:off x="11025131" y="519495"/>
-            <a:ext cx="2362200" cy="307777"/>
-          </a:xfrm>
-          <a:prstGeom prst="rect">
-            <a:avLst/>
-          </a:prstGeom>
-          <a:noFill/>
-        </p:spPr>
-        <p:txBody>
-          <a:bodyPr wrap="square" rtlCol="0">
-            <a:spAutoFit/>
-          </a:bodyPr>
-          <a:lstStyle/>
-          <a:p>
-            <a:r>
-              <a:rPr lang="ko-KR" altLang="en-US" sz="1400" dirty="0">
-                <a:solidFill>
-                  <a:schemeClr val="tx1">
-                    <a:lumMod val="75000"/>
-                    <a:lumOff val="25000"/>
-                  </a:schemeClr>
-                </a:solidFill>
-                <a:latin typeface="나눔스퀘어 Bold" panose="020B0600000101010101" pitchFamily="50" charset="-127"/>
-                <a:ea typeface="나눔스퀘어 Bold" panose="020B0600000101010101" pitchFamily="50" charset="-127"/>
-              </a:rPr>
-              <a:t>안내용 </a:t>
-            </a:r>
+          <a:p>
             <a:r>
               <a:rPr lang="en-US" altLang="ko-KR" sz="1400" dirty="0">
                 <a:solidFill>
@@ -4289,6 +4133,86 @@
       </p:sp>
       <p:sp>
         <p:nvSpPr>
+          <p:cNvPr id="26" name="TextBox 25">
+            <a:extLst>
+              <a:ext uri="{FF2B5EF4-FFF2-40B4-BE49-F238E27FC236}">
+                <a16:creationId xmlns:a16="http://schemas.microsoft.com/office/drawing/2014/main" id="{AD27ED8F-13EB-45E2-B200-9CF43F9FBF08}"/>
+              </a:ext>
+            </a:extLst>
+          </p:cNvPr>
+          <p:cNvSpPr txBox="1"/>
+          <p:nvPr/>
+        </p:nvSpPr>
+        <p:spPr>
+          <a:xfrm>
+            <a:off x="11025131" y="519495"/>
+            <a:ext cx="2362200" cy="307777"/>
+          </a:xfrm>
+          <a:prstGeom prst="rect">
+            <a:avLst/>
+          </a:prstGeom>
+          <a:noFill/>
+        </p:spPr>
+        <p:txBody>
+          <a:bodyPr wrap="square" rtlCol="0">
+            <a:spAutoFit/>
+          </a:bodyPr>
+          <a:lstStyle/>
+          <a:p>
+            <a:r>
+              <a:rPr lang="ko-KR" altLang="en-US" sz="1400" dirty="0">
+                <a:solidFill>
+                  <a:schemeClr val="tx1">
+                    <a:lumMod val="75000"/>
+                    <a:lumOff val="25000"/>
+                  </a:schemeClr>
+                </a:solidFill>
+                <a:latin typeface="나눔스퀘어 Bold" panose="020B0600000101010101" pitchFamily="50" charset="-127"/>
+                <a:ea typeface="나눔스퀘어 Bold" panose="020B0600000101010101" pitchFamily="50" charset="-127"/>
+              </a:rPr>
+              <a:t>수업 정보 안내용 </a:t>
+            </a:r>
+            <a:r>
+              <a:rPr lang="en-US" altLang="ko-KR" sz="1400" dirty="0">
+                <a:solidFill>
+                  <a:schemeClr val="tx1">
+                    <a:lumMod val="75000"/>
+                    <a:lumOff val="25000"/>
+                  </a:schemeClr>
+                </a:solidFill>
+                <a:latin typeface="나눔스퀘어 Bold" panose="020B0600000101010101" pitchFamily="50" charset="-127"/>
+                <a:ea typeface="나눔스퀘어 Bold" panose="020B0600000101010101" pitchFamily="50" charset="-127"/>
+              </a:rPr>
+              <a:t>DB </a:t>
+            </a:r>
+            <a:r>
+              <a:rPr lang="ko-KR" altLang="en-US" sz="1400" dirty="0">
+                <a:solidFill>
+                  <a:schemeClr val="tx1">
+                    <a:lumMod val="75000"/>
+                    <a:lumOff val="25000"/>
+                  </a:schemeClr>
+                </a:solidFill>
+                <a:latin typeface="나눔스퀘어 Bold" panose="020B0600000101010101" pitchFamily="50" charset="-127"/>
+                <a:ea typeface="나눔스퀘어 Bold" panose="020B0600000101010101" pitchFamily="50" charset="-127"/>
+              </a:rPr>
+              <a:t>생성</a:t>
+            </a:r>
+            <a:endParaRPr lang="en-US" altLang="ko-KR" sz="1400" dirty="0">
+              <a:solidFill>
+                <a:schemeClr val="tx1">
+                  <a:lumMod val="75000"/>
+                  <a:lumOff val="25000"/>
+                </a:schemeClr>
+              </a:solidFill>
+              <a:latin typeface="나눔스퀘어 Bold" panose="020B0600000101010101" pitchFamily="50" charset="-127"/>
+              <a:ea typeface="나눔스퀘어 Bold" panose="020B0600000101010101" pitchFamily="50" charset="-127"/>
+            </a:endParaRPr>
+          </a:p>
+        </p:txBody>
+      </p:sp>
+      <p:sp>
+        <p:nvSpPr>
           <p:cNvPr id="32" name="TextBox 31">
             <a:extLst>
               <a:ext uri="{FF2B5EF4-FFF2-40B4-BE49-F238E27FC236}">
@@ -4371,7 +4295,7 @@
                 <a:latin typeface="나눔스퀘어 Bold" panose="020B0600000101010101" pitchFamily="50" charset="-127"/>
                 <a:ea typeface="나눔스퀘어 Bold" panose="020B0600000101010101" pitchFamily="50" charset="-127"/>
               </a:rPr>
-              <a:t>ANDROID</a:t>
+              <a:t>AI Chatbot</a:t>
             </a:r>
             <a:endParaRPr lang="ko-KR" altLang="en-US" dirty="0">
               <a:solidFill>
@@ -4618,7 +4542,7 @@
         <p:spPr>
           <a:xfrm>
             <a:off x="13051771" y="2870352"/>
-            <a:ext cx="2362200" cy="307777"/>
+            <a:ext cx="2362200" cy="523220"/>
           </a:xfrm>
           <a:prstGeom prst="rect">
             <a:avLst/>
@@ -4654,6 +4578,21 @@
               <a:latin typeface="나눔스퀘어 Bold" panose="020B0600000101010101" pitchFamily="50" charset="-127"/>
               <a:ea typeface="나눔스퀘어 Bold" panose="020B0600000101010101" pitchFamily="50" charset="-127"/>
             </a:endParaRPr>
+          </a:p>
+          <a:p>
+            <a:r>
+              <a:rPr lang="en-US" altLang="ko-KR" sz="1400" dirty="0">
+                <a:solidFill>
+                  <a:schemeClr val="tx1">
+                    <a:lumMod val="75000"/>
+                    <a:lumOff val="25000"/>
+                  </a:schemeClr>
+                </a:solidFill>
+                <a:latin typeface="나눔스퀘어 Bold" panose="020B0600000101010101" pitchFamily="50" charset="-127"/>
+                <a:ea typeface="나눔스퀘어 Bold" panose="020B0600000101010101" pitchFamily="50" charset="-127"/>
+              </a:rPr>
+              <a:t>(TF.js &amp; WebGL)</a:t>
+            </a:r>
           </a:p>
         </p:txBody>
       </p:sp>
@@ -4853,7 +4792,33 @@
                 <a:latin typeface="나눔스퀘어 Bold" panose="020B0600000101010101" pitchFamily="50" charset="-127"/>
                 <a:ea typeface="나눔스퀘어 Bold" panose="020B0600000101010101" pitchFamily="50" charset="-127"/>
               </a:rPr>
-              <a:t>채팅 매크로 </a:t>
+              <a:t>채팅 </a:t>
+            </a:r>
+            <a:r>
+              <a:rPr lang="en-US" altLang="ko-KR" sz="1400" dirty="0">
+                <a:solidFill>
+                  <a:schemeClr val="tx1">
+                    <a:lumMod val="75000"/>
+                    <a:lumOff val="25000"/>
+                  </a:schemeClr>
+                </a:solidFill>
+                <a:latin typeface="나눔스퀘어 Bold" panose="020B0600000101010101" pitchFamily="50" charset="-127"/>
+                <a:ea typeface="나눔스퀘어 Bold" panose="020B0600000101010101" pitchFamily="50" charset="-127"/>
+              </a:rPr>
+              <a:t>AI</a:t>
+            </a:r>
+            <a:r>
+              <a:rPr lang="ko-KR" altLang="en-US" sz="1400" dirty="0">
+                <a:solidFill>
+                  <a:schemeClr val="tx1">
+                    <a:lumMod val="75000"/>
+                    <a:lumOff val="25000"/>
+                  </a:schemeClr>
+                </a:solidFill>
+                <a:latin typeface="나눔스퀘어 Bold" panose="020B0600000101010101" pitchFamily="50" charset="-127"/>
+                <a:ea typeface="나눔스퀘어 Bold" panose="020B0600000101010101" pitchFamily="50" charset="-127"/>
+              </a:rPr>
+              <a:t> </a:t>
             </a:r>
             <a:r>
               <a:rPr lang="en-US" altLang="ko-KR" sz="1400" dirty="0">
@@ -5419,7 +5384,7 @@
         <p:spPr>
           <a:xfrm>
             <a:off x="8934128" y="4522564"/>
-            <a:ext cx="2504112" cy="954107"/>
+            <a:ext cx="2504112" cy="523220"/>
           </a:xfrm>
           <a:prstGeom prst="rect">
             <a:avLst/>
@@ -5468,83 +5433,7 @@
                 <a:latin typeface="나눔스퀘어 Bold" panose="020B0600000101010101" pitchFamily="50" charset="-127"/>
                 <a:ea typeface="나눔스퀘어 Bold" panose="020B0600000101010101" pitchFamily="50" charset="-127"/>
               </a:rPr>
-              <a:t>및 모음위주 립싱크 준비</a:t>
-            </a:r>
-            <a:endParaRPr lang="en-US" altLang="ko-KR" sz="1400" dirty="0">
-              <a:solidFill>
-                <a:schemeClr val="tx1">
-                  <a:lumMod val="75000"/>
-                  <a:lumOff val="25000"/>
-                </a:schemeClr>
-              </a:solidFill>
-              <a:latin typeface="나눔스퀘어 Bold" panose="020B0600000101010101" pitchFamily="50" charset="-127"/>
-              <a:ea typeface="나눔스퀘어 Bold" panose="020B0600000101010101" pitchFamily="50" charset="-127"/>
-            </a:endParaRPr>
-          </a:p>
-          <a:p>
-            <a:endParaRPr lang="en-US" altLang="ko-KR" sz="1400" dirty="0">
-              <a:solidFill>
-                <a:schemeClr val="tx1">
-                  <a:lumMod val="75000"/>
-                  <a:lumOff val="25000"/>
-                </a:schemeClr>
-              </a:solidFill>
-              <a:latin typeface="나눔스퀘어 Bold" panose="020B0600000101010101" pitchFamily="50" charset="-127"/>
-              <a:ea typeface="나눔스퀘어 Bold" panose="020B0600000101010101" pitchFamily="50" charset="-127"/>
-            </a:endParaRPr>
-          </a:p>
-          <a:p>
-            <a:r>
-              <a:rPr lang="en-US" altLang="ko-KR" sz="1400" dirty="0">
-                <a:solidFill>
-                  <a:schemeClr val="tx1">
-                    <a:lumMod val="75000"/>
-                    <a:lumOff val="25000"/>
-                  </a:schemeClr>
-                </a:solidFill>
-                <a:latin typeface="나눔스퀘어 Bold" panose="020B0600000101010101" pitchFamily="50" charset="-127"/>
-                <a:ea typeface="나눔스퀘어 Bold" panose="020B0600000101010101" pitchFamily="50" charset="-127"/>
-              </a:rPr>
-              <a:t>SQL Query </a:t>
-            </a:r>
-            <a:r>
-              <a:rPr lang="ko-KR" altLang="en-US" sz="1400" dirty="0">
-                <a:solidFill>
-                  <a:schemeClr val="tx1">
-                    <a:lumMod val="75000"/>
-                    <a:lumOff val="25000"/>
-                  </a:schemeClr>
-                </a:solidFill>
-                <a:latin typeface="나눔스퀘어 Bold" panose="020B0600000101010101" pitchFamily="50" charset="-127"/>
-                <a:ea typeface="나눔스퀘어 Bold" panose="020B0600000101010101" pitchFamily="50" charset="-127"/>
-              </a:rPr>
-              <a:t>생성 </a:t>
-            </a:r>
-            <a:r>
-              <a:rPr lang="en-US" altLang="ko-KR" sz="1400" dirty="0">
-                <a:solidFill>
-                  <a:schemeClr val="tx1">
-                    <a:lumMod val="75000"/>
-                    <a:lumOff val="25000"/>
-                  </a:schemeClr>
-                </a:solidFill>
-                <a:latin typeface="나눔스퀘어 Bold" panose="020B0600000101010101" pitchFamily="50" charset="-127"/>
-                <a:ea typeface="나눔스퀘어 Bold" panose="020B0600000101010101" pitchFamily="50" charset="-127"/>
-              </a:rPr>
-              <a:t>AI </a:t>
-            </a:r>
-            <a:r>
-              <a:rPr lang="ko-KR" altLang="en-US" sz="1400" dirty="0">
-                <a:solidFill>
-                  <a:schemeClr val="tx1">
-                    <a:lumMod val="75000"/>
-                    <a:lumOff val="25000"/>
-                  </a:schemeClr>
-                </a:solidFill>
-                <a:latin typeface="나눔스퀘어 Bold" panose="020B0600000101010101" pitchFamily="50" charset="-127"/>
-                <a:ea typeface="나눔스퀘어 Bold" panose="020B0600000101010101" pitchFamily="50" charset="-127"/>
-              </a:rPr>
-              <a:t>학습 시작</a:t>
+              <a:t>및 입 모양 동작 제작</a:t>
             </a:r>
             <a:endParaRPr lang="en-US" altLang="ko-KR" sz="1400" dirty="0">
               <a:solidFill>
@@ -5690,10 +5579,10 @@
       </p:cxnSp>
       <p:sp>
         <p:nvSpPr>
-          <p:cNvPr id="54" name="TextBox 53">
-            <a:extLst>
-              <a:ext uri="{FF2B5EF4-FFF2-40B4-BE49-F238E27FC236}">
-                <a16:creationId xmlns:a16="http://schemas.microsoft.com/office/drawing/2014/main" id="{CE12D1D2-F7FE-4374-8448-F0C10E8C4F04}"/>
+          <p:cNvPr id="58" name="TextBox 57">
+            <a:extLst>
+              <a:ext uri="{FF2B5EF4-FFF2-40B4-BE49-F238E27FC236}">
+                <a16:creationId xmlns:a16="http://schemas.microsoft.com/office/drawing/2014/main" id="{5EB41B20-CA5E-43DC-8E6B-34B95F29B55E}"/>
               </a:ext>
             </a:extLst>
           </p:cNvPr>
@@ -5702,8 +5591,8 @@
         </p:nvSpPr>
         <p:spPr>
           <a:xfrm>
-            <a:off x="3476990" y="2511206"/>
-            <a:ext cx="2362200" cy="738664"/>
+            <a:off x="5288238" y="2555384"/>
+            <a:ext cx="2362200" cy="307777"/>
           </a:xfrm>
           <a:prstGeom prst="rect">
             <a:avLst/>
@@ -5727,111 +5616,8 @@
                 <a:latin typeface="나눔스퀘어 Bold" panose="020B0600000101010101" pitchFamily="50" charset="-127"/>
                 <a:ea typeface="나눔스퀘어 Bold" panose="020B0600000101010101" pitchFamily="50" charset="-127"/>
               </a:rPr>
-              <a:t>개인 생성 서버와 통신 확인</a:t>
-            </a:r>
-            <a:endParaRPr lang="en-US" altLang="ko-KR" sz="1400" dirty="0">
-              <a:solidFill>
-                <a:schemeClr val="tx1">
-                  <a:lumMod val="75000"/>
-                  <a:lumOff val="25000"/>
-                </a:schemeClr>
-              </a:solidFill>
-              <a:latin typeface="나눔스퀘어 Bold" panose="020B0600000101010101" pitchFamily="50" charset="-127"/>
-              <a:ea typeface="나눔스퀘어 Bold" panose="020B0600000101010101" pitchFamily="50" charset="-127"/>
-            </a:endParaRPr>
-          </a:p>
-          <a:p>
-            <a:r>
-              <a:rPr lang="ko-KR" altLang="en-US" sz="1400" dirty="0">
-                <a:solidFill>
-                  <a:schemeClr val="tx1">
-                    <a:lumMod val="75000"/>
-                    <a:lumOff val="25000"/>
-                  </a:schemeClr>
-                </a:solidFill>
-                <a:latin typeface="나눔스퀘어 Bold" panose="020B0600000101010101" pitchFamily="50" charset="-127"/>
-                <a:ea typeface="나눔스퀘어 Bold" panose="020B0600000101010101" pitchFamily="50" charset="-127"/>
-              </a:rPr>
-              <a:t>서버로 명령어 전송 확인 </a:t>
-            </a:r>
-            <a:endParaRPr lang="en-US" altLang="ko-KR" sz="1400" dirty="0">
-              <a:solidFill>
-                <a:schemeClr val="tx1">
-                  <a:lumMod val="75000"/>
-                  <a:lumOff val="25000"/>
-                </a:schemeClr>
-              </a:solidFill>
-              <a:latin typeface="나눔스퀘어 Bold" panose="020B0600000101010101" pitchFamily="50" charset="-127"/>
-              <a:ea typeface="나눔스퀘어 Bold" panose="020B0600000101010101" pitchFamily="50" charset="-127"/>
-            </a:endParaRPr>
-          </a:p>
-          <a:p>
-            <a:endParaRPr lang="en-US" altLang="ko-KR" sz="1400" dirty="0">
-              <a:solidFill>
-                <a:schemeClr val="tx1">
-                  <a:lumMod val="75000"/>
-                  <a:lumOff val="25000"/>
-                </a:schemeClr>
-              </a:solidFill>
-              <a:latin typeface="나눔스퀘어 Bold" panose="020B0600000101010101" pitchFamily="50" charset="-127"/>
-              <a:ea typeface="나눔스퀘어 Bold" panose="020B0600000101010101" pitchFamily="50" charset="-127"/>
-            </a:endParaRPr>
-          </a:p>
-        </p:txBody>
-      </p:sp>
-      <p:sp>
-        <p:nvSpPr>
-          <p:cNvPr id="55" name="TextBox 54">
-            <a:extLst>
-              <a:ext uri="{FF2B5EF4-FFF2-40B4-BE49-F238E27FC236}">
-                <a16:creationId xmlns:a16="http://schemas.microsoft.com/office/drawing/2014/main" id="{F5DDFCA2-C0D1-4C60-94DA-DC855EECE3DF}"/>
-              </a:ext>
-            </a:extLst>
-          </p:cNvPr>
-          <p:cNvSpPr txBox="1"/>
-          <p:nvPr/>
-        </p:nvSpPr>
-        <p:spPr>
-          <a:xfrm>
-            <a:off x="5865540" y="2511206"/>
-            <a:ext cx="2498193" cy="523220"/>
-          </a:xfrm>
-          <a:prstGeom prst="rect">
-            <a:avLst/>
-          </a:prstGeom>
-          <a:noFill/>
-        </p:spPr>
-        <p:txBody>
-          <a:bodyPr wrap="square" rtlCol="0">
-            <a:spAutoFit/>
-          </a:bodyPr>
-          <a:lstStyle/>
-          <a:p>
-            <a:r>
-              <a:rPr lang="ko-KR" altLang="en-US" sz="1400" dirty="0">
-                <a:solidFill>
-                  <a:schemeClr val="tx1">
-                    <a:lumMod val="75000"/>
-                    <a:lumOff val="25000"/>
-                  </a:schemeClr>
-                </a:solidFill>
-                <a:latin typeface="나눔스퀘어 Bold" panose="020B0600000101010101" pitchFamily="50" charset="-127"/>
-                <a:ea typeface="나눔스퀘어 Bold" panose="020B0600000101010101" pitchFamily="50" charset="-127"/>
-              </a:rPr>
-              <a:t>서버로부터 메시지 수신 확인</a:t>
-            </a:r>
-            <a:endParaRPr lang="en-US" altLang="ko-KR" sz="1400" dirty="0">
-              <a:solidFill>
-                <a:schemeClr val="tx1">
-                  <a:lumMod val="75000"/>
-                  <a:lumOff val="25000"/>
-                </a:schemeClr>
-              </a:solidFill>
-              <a:latin typeface="나눔스퀘어 Bold" panose="020B0600000101010101" pitchFamily="50" charset="-127"/>
-              <a:ea typeface="나눔스퀘어 Bold" panose="020B0600000101010101" pitchFamily="50" charset="-127"/>
-            </a:endParaRPr>
-          </a:p>
-          <a:p>
+              <a:t>연습용 </a:t>
+            </a:r>
             <a:r>
               <a:rPr lang="en-US" altLang="ko-KR" sz="1400" dirty="0">
                 <a:solidFill>
@@ -5843,10 +5629,10 @@
                 <a:latin typeface="나눔스퀘어 Bold" panose="020B0600000101010101" pitchFamily="50" charset="-127"/>
                 <a:ea typeface="나눔스퀘어 Bold" panose="020B0600000101010101" pitchFamily="50" charset="-127"/>
               </a:rPr>
-              <a:t>STT/TTS</a:t>
-            </a:r>
-            <a:r>
-              <a:rPr lang="ko-KR" altLang="en-US" sz="1400" dirty="0">
+              <a:t>AI </a:t>
+            </a:r>
+            <a:r>
+              <a:rPr lang="ko-KR" altLang="en-US" sz="1400" dirty="0" err="1">
                 <a:solidFill>
                   <a:schemeClr val="tx1">
                     <a:lumMod val="75000"/>
@@ -5856,61 +5642,7 @@
                 <a:latin typeface="나눔스퀘어 Bold" panose="020B0600000101010101" pitchFamily="50" charset="-127"/>
                 <a:ea typeface="나눔스퀘어 Bold" panose="020B0600000101010101" pitchFamily="50" charset="-127"/>
               </a:rPr>
-              <a:t>를 통한 명령어 입출력</a:t>
-            </a:r>
-            <a:endParaRPr lang="en-US" altLang="ko-KR" sz="1400" dirty="0">
-              <a:solidFill>
-                <a:schemeClr val="tx1">
-                  <a:lumMod val="75000"/>
-                  <a:lumOff val="25000"/>
-                </a:schemeClr>
-              </a:solidFill>
-              <a:latin typeface="나눔스퀘어 Bold" panose="020B0600000101010101" pitchFamily="50" charset="-127"/>
-              <a:ea typeface="나눔스퀘어 Bold" panose="020B0600000101010101" pitchFamily="50" charset="-127"/>
-            </a:endParaRPr>
-          </a:p>
-        </p:txBody>
-      </p:sp>
-      <p:sp>
-        <p:nvSpPr>
-          <p:cNvPr id="58" name="TextBox 57">
-            <a:extLst>
-              <a:ext uri="{FF2B5EF4-FFF2-40B4-BE49-F238E27FC236}">
-                <a16:creationId xmlns:a16="http://schemas.microsoft.com/office/drawing/2014/main" id="{5EB41B20-CA5E-43DC-8E6B-34B95F29B55E}"/>
-              </a:ext>
-            </a:extLst>
-          </p:cNvPr>
-          <p:cNvSpPr txBox="1"/>
-          <p:nvPr/>
-        </p:nvSpPr>
-        <p:spPr>
-          <a:xfrm>
-            <a:off x="8506892" y="2555384"/>
-            <a:ext cx="2362200" cy="738664"/>
-          </a:xfrm>
-          <a:prstGeom prst="rect">
-            <a:avLst/>
-          </a:prstGeom>
-          <a:noFill/>
-        </p:spPr>
-        <p:txBody>
-          <a:bodyPr wrap="square" rtlCol="0">
-            <a:spAutoFit/>
-          </a:bodyPr>
-          <a:lstStyle/>
-          <a:p>
-            <a:r>
-              <a:rPr lang="ko-KR" altLang="en-US" sz="1400" dirty="0">
-                <a:solidFill>
-                  <a:schemeClr val="tx1">
-                    <a:lumMod val="75000"/>
-                    <a:lumOff val="25000"/>
-                  </a:schemeClr>
-                </a:solidFill>
-                <a:latin typeface="나눔스퀘어 Bold" panose="020B0600000101010101" pitchFamily="50" charset="-127"/>
-                <a:ea typeface="나눔스퀘어 Bold" panose="020B0600000101010101" pitchFamily="50" charset="-127"/>
-              </a:rPr>
-              <a:t>임시 캐릭터 포팅</a:t>
+              <a:t>챗봇</a:t>
             </a:r>
             <a:r>
               <a:rPr lang="en-US" altLang="ko-KR" sz="1400" dirty="0">
@@ -5925,90 +5657,6 @@
               </a:rPr>
               <a:t> </a:t>
             </a:r>
-          </a:p>
-          <a:p>
-            <a:r>
-              <a:rPr lang="en-US" altLang="ko-KR" sz="1400" dirty="0">
-                <a:solidFill>
-                  <a:schemeClr val="tx1">
-                    <a:lumMod val="75000"/>
-                    <a:lumOff val="25000"/>
-                  </a:schemeClr>
-                </a:solidFill>
-                <a:latin typeface="나눔스퀘어 Bold" panose="020B0600000101010101" pitchFamily="50" charset="-127"/>
-                <a:ea typeface="나눔스퀘어 Bold" panose="020B0600000101010101" pitchFamily="50" charset="-127"/>
-              </a:rPr>
-              <a:t>Or</a:t>
-            </a:r>
-          </a:p>
-          <a:p>
-            <a:r>
-              <a:rPr lang="ko-KR" altLang="en-US" sz="1400" dirty="0">
-                <a:solidFill>
-                  <a:schemeClr val="tx1">
-                    <a:lumMod val="75000"/>
-                    <a:lumOff val="25000"/>
-                  </a:schemeClr>
-                </a:solidFill>
-                <a:latin typeface="나눔스퀘어 Bold" panose="020B0600000101010101" pitchFamily="50" charset="-127"/>
-                <a:ea typeface="나눔스퀘어 Bold" panose="020B0600000101010101" pitchFamily="50" charset="-127"/>
-              </a:rPr>
-              <a:t>캐릭터 영상 스트리밍 준비</a:t>
-            </a:r>
-            <a:endParaRPr lang="en-US" altLang="ko-KR" sz="1400" dirty="0">
-              <a:solidFill>
-                <a:schemeClr val="tx1">
-                  <a:lumMod val="75000"/>
-                  <a:lumOff val="25000"/>
-                </a:schemeClr>
-              </a:solidFill>
-              <a:latin typeface="나눔스퀘어 Bold" panose="020B0600000101010101" pitchFamily="50" charset="-127"/>
-              <a:ea typeface="나눔스퀘어 Bold" panose="020B0600000101010101" pitchFamily="50" charset="-127"/>
-            </a:endParaRPr>
-          </a:p>
-        </p:txBody>
-      </p:sp>
-      <p:sp>
-        <p:nvSpPr>
-          <p:cNvPr id="59" name="TextBox 58">
-            <a:extLst>
-              <a:ext uri="{FF2B5EF4-FFF2-40B4-BE49-F238E27FC236}">
-                <a16:creationId xmlns:a16="http://schemas.microsoft.com/office/drawing/2014/main" id="{7F18D607-3269-4F76-AC3E-58FC7B5440CC}"/>
-              </a:ext>
-            </a:extLst>
-          </p:cNvPr>
-          <p:cNvSpPr txBox="1"/>
-          <p:nvPr/>
-        </p:nvSpPr>
-        <p:spPr>
-          <a:xfrm>
-            <a:off x="11025131" y="2586230"/>
-            <a:ext cx="2362200" cy="307777"/>
-          </a:xfrm>
-          <a:prstGeom prst="rect">
-            <a:avLst/>
-          </a:prstGeom>
-          <a:noFill/>
-        </p:spPr>
-        <p:txBody>
-          <a:bodyPr wrap="square" rtlCol="0">
-            <a:spAutoFit/>
-          </a:bodyPr>
-          <a:lstStyle/>
-          <a:p>
-            <a:r>
-              <a:rPr lang="en-US" altLang="ko-KR" sz="1400" dirty="0">
-                <a:solidFill>
-                  <a:schemeClr val="tx1">
-                    <a:lumMod val="75000"/>
-                    <a:lumOff val="25000"/>
-                  </a:schemeClr>
-                </a:solidFill>
-                <a:latin typeface="나눔스퀘어 Bold" panose="020B0600000101010101" pitchFamily="50" charset="-127"/>
-                <a:ea typeface="나눔스퀘어 Bold" panose="020B0600000101010101" pitchFamily="50" charset="-127"/>
-              </a:rPr>
-              <a:t>UI </a:t>
-            </a:r>
             <a:r>
               <a:rPr lang="ko-KR" altLang="en-US" sz="1400" dirty="0">
                 <a:solidFill>
@@ -6035,12 +5683,104 @@
           </a:p>
         </p:txBody>
       </p:sp>
+      <p:sp>
+        <p:nvSpPr>
+          <p:cNvPr id="59" name="TextBox 58">
+            <a:extLst>
+              <a:ext uri="{FF2B5EF4-FFF2-40B4-BE49-F238E27FC236}">
+                <a16:creationId xmlns:a16="http://schemas.microsoft.com/office/drawing/2014/main" id="{7F18D607-3269-4F76-AC3E-58FC7B5440CC}"/>
+              </a:ext>
+            </a:extLst>
+          </p:cNvPr>
+          <p:cNvSpPr txBox="1"/>
+          <p:nvPr/>
+        </p:nvSpPr>
+        <p:spPr>
+          <a:xfrm>
+            <a:off x="8936351" y="2586230"/>
+            <a:ext cx="2362200" cy="523220"/>
+          </a:xfrm>
+          <a:prstGeom prst="rect">
+            <a:avLst/>
+          </a:prstGeom>
+          <a:noFill/>
+        </p:spPr>
+        <p:txBody>
+          <a:bodyPr wrap="square" rtlCol="0">
+            <a:spAutoFit/>
+          </a:bodyPr>
+          <a:lstStyle/>
+          <a:p>
+            <a:r>
+              <a:rPr lang="ko-KR" altLang="en-US" sz="1400" dirty="0">
+                <a:solidFill>
+                  <a:schemeClr val="tx1">
+                    <a:lumMod val="75000"/>
+                    <a:lumOff val="25000"/>
+                  </a:schemeClr>
+                </a:solidFill>
+                <a:latin typeface="나눔스퀘어 Bold" panose="020B0600000101010101" pitchFamily="50" charset="-127"/>
+                <a:ea typeface="나눔스퀘어 Bold" panose="020B0600000101010101" pitchFamily="50" charset="-127"/>
+              </a:rPr>
+              <a:t>완성된 </a:t>
+            </a:r>
+            <a:r>
+              <a:rPr lang="en-US" altLang="ko-KR" sz="1400" dirty="0">
+                <a:solidFill>
+                  <a:schemeClr val="tx1">
+                    <a:lumMod val="75000"/>
+                    <a:lumOff val="25000"/>
+                  </a:schemeClr>
+                </a:solidFill>
+                <a:latin typeface="나눔스퀘어 Bold" panose="020B0600000101010101" pitchFamily="50" charset="-127"/>
+                <a:ea typeface="나눔스퀘어 Bold" panose="020B0600000101010101" pitchFamily="50" charset="-127"/>
+              </a:rPr>
+              <a:t>DB </a:t>
+            </a:r>
+            <a:r>
+              <a:rPr lang="ko-KR" altLang="en-US" sz="1400" dirty="0">
+                <a:solidFill>
+                  <a:schemeClr val="tx1">
+                    <a:lumMod val="75000"/>
+                    <a:lumOff val="25000"/>
+                  </a:schemeClr>
+                </a:solidFill>
+                <a:latin typeface="나눔스퀘어 Bold" panose="020B0600000101010101" pitchFamily="50" charset="-127"/>
+                <a:ea typeface="나눔스퀘어 Bold" panose="020B0600000101010101" pitchFamily="50" charset="-127"/>
+              </a:rPr>
+              <a:t>기반의 대화 생성</a:t>
+            </a:r>
+            <a:endParaRPr lang="en-US" altLang="ko-KR" sz="1400" dirty="0">
+              <a:solidFill>
+                <a:schemeClr val="tx1">
+                  <a:lumMod val="75000"/>
+                  <a:lumOff val="25000"/>
+                </a:schemeClr>
+              </a:solidFill>
+              <a:latin typeface="나눔스퀘어 Bold" panose="020B0600000101010101" pitchFamily="50" charset="-127"/>
+              <a:ea typeface="나눔스퀘어 Bold" panose="020B0600000101010101" pitchFamily="50" charset="-127"/>
+            </a:endParaRPr>
+          </a:p>
+          <a:p>
+            <a:endParaRPr lang="en-US" altLang="ko-KR" sz="1400" dirty="0">
+              <a:solidFill>
+                <a:schemeClr val="tx1">
+                  <a:lumMod val="75000"/>
+                  <a:lumOff val="25000"/>
+                </a:schemeClr>
+              </a:solidFill>
+              <a:latin typeface="나눔스퀘어 Bold" panose="020B0600000101010101" pitchFamily="50" charset="-127"/>
+              <a:ea typeface="나눔스퀘어 Bold" panose="020B0600000101010101" pitchFamily="50" charset="-127"/>
+            </a:endParaRPr>
+          </a:p>
+        </p:txBody>
+      </p:sp>
       <p:cxnSp>
         <p:nvCxnSpPr>
-          <p:cNvPr id="61" name="직선 연결선 60">
-            <a:extLst>
-              <a:ext uri="{FF2B5EF4-FFF2-40B4-BE49-F238E27FC236}">
-                <a16:creationId xmlns:a16="http://schemas.microsoft.com/office/drawing/2014/main" id="{4E6ACB61-5A1B-4AD8-BD2A-627E6E64F721}"/>
+          <p:cNvPr id="65" name="직선 연결선 64">
+            <a:extLst>
+              <a:ext uri="{FF2B5EF4-FFF2-40B4-BE49-F238E27FC236}">
+                <a16:creationId xmlns:a16="http://schemas.microsoft.com/office/drawing/2014/main" id="{D09A3B23-05D3-4D57-ADEB-344AD0A1FE53}"/>
               </a:ext>
             </a:extLst>
           </p:cNvPr>
@@ -6051,93 +5791,7 @@
         </p:nvCxnSpPr>
         <p:spPr>
           <a:xfrm flipV="1">
-            <a:off x="3476990" y="2567181"/>
-            <a:ext cx="0" cy="1054034"/>
-          </a:xfrm>
-          <a:prstGeom prst="line">
-            <a:avLst/>
-          </a:prstGeom>
-          <a:ln w="28575">
-            <a:solidFill>
-              <a:schemeClr val="accent6"/>
-            </a:solidFill>
-          </a:ln>
-        </p:spPr>
-        <p:style>
-          <a:lnRef idx="1">
-            <a:schemeClr val="accent2"/>
-          </a:lnRef>
-          <a:fillRef idx="0">
-            <a:schemeClr val="accent2"/>
-          </a:fillRef>
-          <a:effectRef idx="0">
-            <a:schemeClr val="accent2"/>
-          </a:effectRef>
-          <a:fontRef idx="minor">
-            <a:schemeClr val="tx1"/>
-          </a:fontRef>
-        </p:style>
-      </p:cxnSp>
-      <p:cxnSp>
-        <p:nvCxnSpPr>
-          <p:cNvPr id="62" name="직선 연결선 61">
-            <a:extLst>
-              <a:ext uri="{FF2B5EF4-FFF2-40B4-BE49-F238E27FC236}">
-                <a16:creationId xmlns:a16="http://schemas.microsoft.com/office/drawing/2014/main" id="{C58F3BAD-2342-4D4A-A20D-709320A5612B}"/>
-              </a:ext>
-            </a:extLst>
-          </p:cNvPr>
-          <p:cNvCxnSpPr>
-            <a:cxnSpLocks/>
-          </p:cNvCxnSpPr>
-          <p:nvPr/>
-        </p:nvCxnSpPr>
-        <p:spPr>
-          <a:xfrm flipV="1">
-            <a:off x="5881416" y="2567181"/>
-            <a:ext cx="0" cy="1054034"/>
-          </a:xfrm>
-          <a:prstGeom prst="line">
-            <a:avLst/>
-          </a:prstGeom>
-          <a:ln w="28575">
-            <a:solidFill>
-              <a:schemeClr val="accent6"/>
-            </a:solidFill>
-          </a:ln>
-        </p:spPr>
-        <p:style>
-          <a:lnRef idx="1">
-            <a:schemeClr val="accent2"/>
-          </a:lnRef>
-          <a:fillRef idx="0">
-            <a:schemeClr val="accent2"/>
-          </a:fillRef>
-          <a:effectRef idx="0">
-            <a:schemeClr val="accent2"/>
-          </a:effectRef>
-          <a:fontRef idx="minor">
-            <a:schemeClr val="tx1"/>
-          </a:fontRef>
-        </p:style>
-      </p:cxnSp>
-      <p:cxnSp>
-        <p:nvCxnSpPr>
-          <p:cNvPr id="65" name="직선 연결선 64">
-            <a:extLst>
-              <a:ext uri="{FF2B5EF4-FFF2-40B4-BE49-F238E27FC236}">
-                <a16:creationId xmlns:a16="http://schemas.microsoft.com/office/drawing/2014/main" id="{D09A3B23-05D3-4D57-ADEB-344AD0A1FE53}"/>
-              </a:ext>
-            </a:extLst>
-          </p:cNvPr>
-          <p:cNvCxnSpPr>
-            <a:cxnSpLocks/>
-          </p:cNvCxnSpPr>
-          <p:nvPr/>
-        </p:nvCxnSpPr>
-        <p:spPr>
-          <a:xfrm flipV="1">
-            <a:off x="8532973" y="2555385"/>
+            <a:off x="5314319" y="2555385"/>
             <a:ext cx="0" cy="1054034"/>
           </a:xfrm>
           <a:prstGeom prst="line">
@@ -6180,7 +5834,7 @@
         </p:nvCxnSpPr>
         <p:spPr>
           <a:xfrm flipV="1">
-            <a:off x="11063231" y="2567181"/>
+            <a:off x="8974451" y="2567181"/>
             <a:ext cx="0" cy="1054034"/>
           </a:xfrm>
           <a:prstGeom prst="line">
@@ -6469,7 +6123,7 @@
             <a:pPr algn="ctr"/>
             <a:r>
               <a:rPr lang="en-US" altLang="ko-KR" sz="3200" dirty="0"/>
-              <a:t>Android </a:t>
+              <a:t>PC</a:t>
             </a:r>
             <a:endParaRPr lang="ko-KR" altLang="en-US" sz="3200" dirty="0"/>
           </a:p>
@@ -7266,8 +6920,19 @@
                 <a:latin typeface="나눔스퀘어 Bold" panose="020B0600000101010101" pitchFamily="50" charset="-127"/>
                 <a:ea typeface="나눔스퀘어 Bold" panose="020B0600000101010101" pitchFamily="50" charset="-127"/>
               </a:rPr>
-              <a:t>텍스트에 맞는 애니메이션</a:t>
-            </a:r>
+              <a:t>애니메이션</a:t>
+            </a:r>
+            <a:r>
+              <a:rPr lang="en-US" altLang="ko-KR" dirty="0">
+                <a:latin typeface="나눔스퀘어 Bold" panose="020B0600000101010101" pitchFamily="50" charset="-127"/>
+                <a:ea typeface="나눔스퀘어 Bold" panose="020B0600000101010101" pitchFamily="50" charset="-127"/>
+              </a:rPr>
+              <a:t> / TTS</a:t>
+            </a:r>
+            <a:endParaRPr lang="ko-KR" altLang="en-US" dirty="0">
+              <a:latin typeface="나눔스퀘어 Bold" panose="020B0600000101010101" pitchFamily="50" charset="-127"/>
+              <a:ea typeface="나눔스퀘어 Bold" panose="020B0600000101010101" pitchFamily="50" charset="-127"/>
+            </a:endParaRPr>
           </a:p>
         </p:txBody>
       </p:sp>
@@ -7402,26 +7067,6 @@
           </a:bodyPr>
           <a:lstStyle/>
           <a:p>
-            <a:r>
-              <a:rPr lang="ko-KR" altLang="en-US" dirty="0">
-                <a:solidFill>
-                  <a:schemeClr val="accent2"/>
-                </a:solidFill>
-                <a:latin typeface="나눔스퀘어 Bold" panose="020B0600000101010101" pitchFamily="50" charset="-127"/>
-                <a:ea typeface="나눔스퀘어 Bold" panose="020B0600000101010101" pitchFamily="50" charset="-127"/>
-              </a:rPr>
-              <a:t>음성 </a:t>
-            </a:r>
-            <a:r>
-              <a:rPr lang="en-US" altLang="ko-KR" dirty="0">
-                <a:solidFill>
-                  <a:schemeClr val="accent2"/>
-                </a:solidFill>
-                <a:latin typeface="나눔스퀘어 Bold" panose="020B0600000101010101" pitchFamily="50" charset="-127"/>
-                <a:ea typeface="나눔스퀘어 Bold" panose="020B0600000101010101" pitchFamily="50" charset="-127"/>
-              </a:rPr>
-              <a:t>/ </a:t>
-            </a:r>
             <a:r>
               <a:rPr lang="ko-KR" altLang="en-US" dirty="0">
                 <a:solidFill>

--- a/보고서용 캡처 모음/기타 자료이미지 원본.pptx
+++ b/보고서용 캡처 모음/기타 자료이미지 원본.pptx
@@ -252,7 +252,7 @@
           <a:p>
             <a:fld id="{36091A7B-A32D-4DC9-A425-F7C17257C8DE}" type="datetimeFigureOut">
               <a:rPr lang="ko-KR" altLang="en-US" smtClean="0"/>
-              <a:t>2021-09-29</a:t>
+              <a:t>2021-10-01</a:t>
             </a:fld>
             <a:endParaRPr lang="ko-KR" altLang="en-US"/>
           </a:p>
@@ -422,7 +422,7 @@
           <a:p>
             <a:fld id="{36091A7B-A32D-4DC9-A425-F7C17257C8DE}" type="datetimeFigureOut">
               <a:rPr lang="ko-KR" altLang="en-US" smtClean="0"/>
-              <a:t>2021-09-29</a:t>
+              <a:t>2021-10-01</a:t>
             </a:fld>
             <a:endParaRPr lang="ko-KR" altLang="en-US"/>
           </a:p>
@@ -602,7 +602,7 @@
           <a:p>
             <a:fld id="{36091A7B-A32D-4DC9-A425-F7C17257C8DE}" type="datetimeFigureOut">
               <a:rPr lang="ko-KR" altLang="en-US" smtClean="0"/>
-              <a:t>2021-09-29</a:t>
+              <a:t>2021-10-01</a:t>
             </a:fld>
             <a:endParaRPr lang="ko-KR" altLang="en-US"/>
           </a:p>
@@ -772,7 +772,7 @@
           <a:p>
             <a:fld id="{36091A7B-A32D-4DC9-A425-F7C17257C8DE}" type="datetimeFigureOut">
               <a:rPr lang="ko-KR" altLang="en-US" smtClean="0"/>
-              <a:t>2021-09-29</a:t>
+              <a:t>2021-10-01</a:t>
             </a:fld>
             <a:endParaRPr lang="ko-KR" altLang="en-US"/>
           </a:p>
@@ -1018,7 +1018,7 @@
           <a:p>
             <a:fld id="{36091A7B-A32D-4DC9-A425-F7C17257C8DE}" type="datetimeFigureOut">
               <a:rPr lang="ko-KR" altLang="en-US" smtClean="0"/>
-              <a:t>2021-09-29</a:t>
+              <a:t>2021-10-01</a:t>
             </a:fld>
             <a:endParaRPr lang="ko-KR" altLang="en-US"/>
           </a:p>
@@ -1250,7 +1250,7 @@
           <a:p>
             <a:fld id="{36091A7B-A32D-4DC9-A425-F7C17257C8DE}" type="datetimeFigureOut">
               <a:rPr lang="ko-KR" altLang="en-US" smtClean="0"/>
-              <a:t>2021-09-29</a:t>
+              <a:t>2021-10-01</a:t>
             </a:fld>
             <a:endParaRPr lang="ko-KR" altLang="en-US"/>
           </a:p>
@@ -1617,7 +1617,7 @@
           <a:p>
             <a:fld id="{36091A7B-A32D-4DC9-A425-F7C17257C8DE}" type="datetimeFigureOut">
               <a:rPr lang="ko-KR" altLang="en-US" smtClean="0"/>
-              <a:t>2021-09-29</a:t>
+              <a:t>2021-10-01</a:t>
             </a:fld>
             <a:endParaRPr lang="ko-KR" altLang="en-US"/>
           </a:p>
@@ -1735,7 +1735,7 @@
           <a:p>
             <a:fld id="{36091A7B-A32D-4DC9-A425-F7C17257C8DE}" type="datetimeFigureOut">
               <a:rPr lang="ko-KR" altLang="en-US" smtClean="0"/>
-              <a:t>2021-09-29</a:t>
+              <a:t>2021-10-01</a:t>
             </a:fld>
             <a:endParaRPr lang="ko-KR" altLang="en-US"/>
           </a:p>
@@ -1830,7 +1830,7 @@
           <a:p>
             <a:fld id="{36091A7B-A32D-4DC9-A425-F7C17257C8DE}" type="datetimeFigureOut">
               <a:rPr lang="ko-KR" altLang="en-US" smtClean="0"/>
-              <a:t>2021-09-29</a:t>
+              <a:t>2021-10-01</a:t>
             </a:fld>
             <a:endParaRPr lang="ko-KR" altLang="en-US"/>
           </a:p>
@@ -2107,7 +2107,7 @@
           <a:p>
             <a:fld id="{36091A7B-A32D-4DC9-A425-F7C17257C8DE}" type="datetimeFigureOut">
               <a:rPr lang="ko-KR" altLang="en-US" smtClean="0"/>
-              <a:t>2021-09-29</a:t>
+              <a:t>2021-10-01</a:t>
             </a:fld>
             <a:endParaRPr lang="ko-KR" altLang="en-US"/>
           </a:p>
@@ -2364,7 +2364,7 @@
           <a:p>
             <a:fld id="{36091A7B-A32D-4DC9-A425-F7C17257C8DE}" type="datetimeFigureOut">
               <a:rPr lang="ko-KR" altLang="en-US" smtClean="0"/>
-              <a:t>2021-09-29</a:t>
+              <a:t>2021-10-01</a:t>
             </a:fld>
             <a:endParaRPr lang="ko-KR" altLang="en-US"/>
           </a:p>
@@ -2577,7 +2577,7 @@
           <a:p>
             <a:fld id="{36091A7B-A32D-4DC9-A425-F7C17257C8DE}" type="datetimeFigureOut">
               <a:rPr lang="ko-KR" altLang="en-US" smtClean="0"/>
-              <a:t>2021-09-29</a:t>
+              <a:t>2021-10-01</a:t>
             </a:fld>
             <a:endParaRPr lang="ko-KR" altLang="en-US"/>
           </a:p>
@@ -4343,7 +4343,7 @@
                 <a:latin typeface="나눔스퀘어 Bold" panose="020B0600000101010101" pitchFamily="50" charset="-127"/>
                 <a:ea typeface="나눔스퀘어 Bold" panose="020B0600000101010101" pitchFamily="50" charset="-127"/>
               </a:rPr>
-              <a:t>3D / AI</a:t>
+              <a:t>3D Unity</a:t>
             </a:r>
             <a:endParaRPr lang="ko-KR" altLang="en-US" dirty="0">
               <a:solidFill>
@@ -4591,7 +4591,7 @@
                 <a:latin typeface="나눔스퀘어 Bold" panose="020B0600000101010101" pitchFamily="50" charset="-127"/>
                 <a:ea typeface="나눔스퀘어 Bold" panose="020B0600000101010101" pitchFamily="50" charset="-127"/>
               </a:rPr>
-              <a:t>(TF.js &amp; WebGL)</a:t>
+              <a:t>(child-process &amp; WebGL)</a:t>
             </a:r>
           </a:p>
         </p:txBody>
@@ -4768,7 +4768,7 @@
         <p:spPr>
           <a:xfrm>
             <a:off x="15282154" y="2857291"/>
-            <a:ext cx="2149866" cy="523220"/>
+            <a:ext cx="2149866" cy="307777"/>
           </a:xfrm>
           <a:prstGeom prst="rect">
             <a:avLst/>
@@ -4792,7 +4792,7 @@
                 <a:latin typeface="나눔스퀘어 Bold" panose="020B0600000101010101" pitchFamily="50" charset="-127"/>
                 <a:ea typeface="나눔스퀘어 Bold" panose="020B0600000101010101" pitchFamily="50" charset="-127"/>
               </a:rPr>
-              <a:t>채팅 </a:t>
+              <a:t>각</a:t>
             </a:r>
             <a:r>
               <a:rPr lang="en-US" altLang="ko-KR" sz="1400" dirty="0">
@@ -4805,10 +4805,10 @@
                 <a:latin typeface="나눔스퀘어 Bold" panose="020B0600000101010101" pitchFamily="50" charset="-127"/>
                 <a:ea typeface="나눔스퀘어 Bold" panose="020B0600000101010101" pitchFamily="50" charset="-127"/>
               </a:rPr>
-              <a:t>AI</a:t>
-            </a:r>
-            <a:r>
-              <a:rPr lang="ko-KR" altLang="en-US" sz="1400" dirty="0">
+              <a:t> </a:t>
+            </a:r>
+            <a:r>
+              <a:rPr lang="ko-KR" altLang="en-US" sz="1400">
                 <a:solidFill>
                   <a:schemeClr val="tx1">
                     <a:lumMod val="75000"/>
@@ -4818,71 +4818,7 @@
                 <a:latin typeface="나눔스퀘어 Bold" panose="020B0600000101010101" pitchFamily="50" charset="-127"/>
                 <a:ea typeface="나눔스퀘어 Bold" panose="020B0600000101010101" pitchFamily="50" charset="-127"/>
               </a:rPr>
-              <a:t> </a:t>
-            </a:r>
-            <a:r>
-              <a:rPr lang="en-US" altLang="ko-KR" sz="1400" dirty="0">
-                <a:solidFill>
-                  <a:schemeClr val="tx1">
-                    <a:lumMod val="75000"/>
-                    <a:lumOff val="25000"/>
-                  </a:schemeClr>
-                </a:solidFill>
-                <a:latin typeface="나눔스퀘어 Bold" panose="020B0600000101010101" pitchFamily="50" charset="-127"/>
-                <a:ea typeface="나눔스퀘어 Bold" panose="020B0600000101010101" pitchFamily="50" charset="-127"/>
-              </a:rPr>
-              <a:t>on/off  </a:t>
-            </a:r>
-            <a:r>
-              <a:rPr lang="ko-KR" altLang="en-US" sz="1400" dirty="0">
-                <a:solidFill>
-                  <a:schemeClr val="tx1">
-                    <a:lumMod val="75000"/>
-                    <a:lumOff val="25000"/>
-                  </a:schemeClr>
-                </a:solidFill>
-                <a:latin typeface="나눔스퀘어 Bold" panose="020B0600000101010101" pitchFamily="50" charset="-127"/>
-                <a:ea typeface="나눔스퀘어 Bold" panose="020B0600000101010101" pitchFamily="50" charset="-127"/>
-              </a:rPr>
-              <a:t>개발</a:t>
-            </a:r>
-            <a:endParaRPr lang="en-US" altLang="ko-KR" sz="1400" dirty="0">
-              <a:solidFill>
-                <a:schemeClr val="tx1">
-                  <a:lumMod val="75000"/>
-                  <a:lumOff val="25000"/>
-                </a:schemeClr>
-              </a:solidFill>
-              <a:latin typeface="나눔스퀘어 Bold" panose="020B0600000101010101" pitchFamily="50" charset="-127"/>
-              <a:ea typeface="나눔스퀘어 Bold" panose="020B0600000101010101" pitchFamily="50" charset="-127"/>
-            </a:endParaRPr>
-          </a:p>
-          <a:p>
-            <a:r>
-              <a:rPr lang="en-US" altLang="ko-KR" sz="1400" dirty="0">
-                <a:solidFill>
-                  <a:schemeClr val="tx1">
-                    <a:lumMod val="75000"/>
-                    <a:lumOff val="25000"/>
-                  </a:schemeClr>
-                </a:solidFill>
-                <a:latin typeface="나눔스퀘어 Bold" panose="020B0600000101010101" pitchFamily="50" charset="-127"/>
-                <a:ea typeface="나눔스퀘어 Bold" panose="020B0600000101010101" pitchFamily="50" charset="-127"/>
-              </a:rPr>
-              <a:t>SQL </a:t>
-            </a:r>
-            <a:r>
-              <a:rPr lang="ko-KR" altLang="en-US" sz="1400" dirty="0">
-                <a:solidFill>
-                  <a:schemeClr val="tx1">
-                    <a:lumMod val="75000"/>
-                    <a:lumOff val="25000"/>
-                  </a:schemeClr>
-                </a:solidFill>
-                <a:latin typeface="나눔스퀘어 Bold" panose="020B0600000101010101" pitchFamily="50" charset="-127"/>
-                <a:ea typeface="나눔스퀘어 Bold" panose="020B0600000101010101" pitchFamily="50" charset="-127"/>
-              </a:rPr>
-              <a:t>불능 시 알람 추가</a:t>
+              <a:t>기능 및 연출 싱크 조정</a:t>
             </a:r>
             <a:endParaRPr lang="en-US" altLang="ko-KR" sz="1400" dirty="0">
               <a:solidFill>
